--- a/pptx/sample.pptx
+++ b/pptx/sample.pptx
@@ -199,7 +199,7 @@
           <a:p>
             <a:fld id="{6CB0CC0C-8DD6-475E-A7A7-99535928C169}" type="datetimeFigureOut">
               <a:rPr kumimoji="1" lang="ja-JP" altLang="en-US" smtClean="0"/>
-              <a:t>2022/6/5</a:t>
+              <a:t>2022/6/12</a:t>
             </a:fld>
             <a:endParaRPr kumimoji="1" lang="ja-JP" altLang="en-US"/>
           </a:p>
@@ -542,7 +542,9 @@
           <a:bodyPr/>
           <a:lstStyle/>
           <a:p>
-            <a:endParaRPr kumimoji="1" lang="ja-JP" altLang="en-US"/>
+            <a:r>
+              <a:t>and for back</a:t>
+            </a:r>
           </a:p>
         </p:txBody>
       </p:sp>
@@ -573,6 +575,92 @@
     <p:extLst>
       <p:ext uri="{BB962C8B-B14F-4D97-AF65-F5344CB8AC3E}">
         <p14:creationId xmlns:p14="http://schemas.microsoft.com/office/powerpoint/2010/main" val="955289279"/>
+      </p:ext>
+    </p:extLst>
+  </p:cSld>
+  <p:clrMapOvr>
+    <a:masterClrMapping/>
+  </p:clrMapOvr>
+</p:notes>
+</file>
+
+<file path=ppt/notesSlides/notesSlide2.xml><?xml version="1.0" encoding="utf-8"?>
+<p:notes xmlns:a="http://schemas.openxmlformats.org/drawingml/2006/main" xmlns:r="http://schemas.openxmlformats.org/officeDocument/2006/relationships" xmlns:p="http://schemas.openxmlformats.org/presentationml/2006/main">
+  <p:cSld>
+    <p:spTree>
+      <p:nvGrpSpPr>
+        <p:cNvPr id="1" name=""/>
+        <p:cNvGrpSpPr/>
+        <p:nvPr/>
+      </p:nvGrpSpPr>
+      <p:grpSpPr>
+        <a:xfrm>
+          <a:off x="0" y="0"/>
+          <a:ext cx="0" cy="0"/>
+          <a:chOff x="0" y="0"/>
+          <a:chExt cx="0" cy="0"/>
+        </a:xfrm>
+      </p:grpSpPr>
+      <p:sp>
+        <p:nvSpPr>
+          <p:cNvPr id="2" name="スライド イメージ プレースホルダー 1"/>
+          <p:cNvSpPr>
+            <a:spLocks noGrp="1" noRot="1" noChangeAspect="1"/>
+          </p:cNvSpPr>
+          <p:nvPr>
+            <p:ph type="sldImg"/>
+          </p:nvPr>
+        </p:nvSpPr>
+        <p:spPr/>
+      </p:sp>
+      <p:sp>
+        <p:nvSpPr>
+          <p:cNvPr id="3" name="ノート プレースホルダー 2"/>
+          <p:cNvSpPr>
+            <a:spLocks noGrp="1"/>
+          </p:cNvSpPr>
+          <p:nvPr>
+            <p:ph type="body" idx="1"/>
+          </p:nvPr>
+        </p:nvSpPr>
+        <p:spPr/>
+        <p:txBody>
+          <a:bodyPr/>
+          <a:lstStyle/>
+          <a:p>
+            <a:r>
+              <a:t>and for back</a:t>
+            </a:r>
+          </a:p>
+        </p:txBody>
+      </p:sp>
+      <p:sp>
+        <p:nvSpPr>
+          <p:cNvPr id="4" name="スライド番号プレースホルダー 3"/>
+          <p:cNvSpPr>
+            <a:spLocks noGrp="1"/>
+          </p:cNvSpPr>
+          <p:nvPr>
+            <p:ph type="sldNum" sz="quarter" idx="5"/>
+          </p:nvPr>
+        </p:nvSpPr>
+        <p:spPr/>
+        <p:txBody>
+          <a:bodyPr/>
+          <a:lstStyle/>
+          <a:p>
+            <a:fld id="{DC2BBCF5-A05A-45A8-98F7-798CE917F2C8}" type="slidenum">
+              <a:rPr kumimoji="1" lang="ja-JP" altLang="en-US" smtClean="0"/>
+              <a:t>3</a:t>
+            </a:fld>
+            <a:endParaRPr kumimoji="1" lang="ja-JP" altLang="en-US"/>
+          </a:p>
+        </p:txBody>
+      </p:sp>
+    </p:spTree>
+    <p:extLst>
+      <p:ext uri="{BB962C8B-B14F-4D97-AF65-F5344CB8AC3E}">
+        <p14:creationId xmlns:p14="http://schemas.microsoft.com/office/powerpoint/2010/main" val="261725537"/>
       </p:ext>
     </p:extLst>
   </p:cSld>
@@ -711,7 +799,7 @@
           <a:p>
             <a:fld id="{5011C6BF-AD41-42D8-9D60-E0DD81B211DB}" type="datetime1">
               <a:rPr kumimoji="1" lang="ja-JP" altLang="en-US" smtClean="0"/>
-              <a:t>2022/6/5</a:t>
+              <a:t>2022/6/12</a:t>
             </a:fld>
             <a:endParaRPr kumimoji="1" lang="ja-JP" altLang="en-US"/>
           </a:p>
@@ -911,7 +999,7 @@
           <a:p>
             <a:fld id="{45391774-F1F9-4947-86FB-ABB8C1110629}" type="datetime1">
               <a:rPr kumimoji="1" lang="ja-JP" altLang="en-US" smtClean="0"/>
-              <a:t>2022/6/5</a:t>
+              <a:t>2022/6/12</a:t>
             </a:fld>
             <a:endParaRPr kumimoji="1" lang="ja-JP" altLang="en-US"/>
           </a:p>
@@ -1121,7 +1209,7 @@
           <a:p>
             <a:fld id="{8888429E-C107-4CDA-8B3A-A04DB666C56C}" type="datetime1">
               <a:rPr kumimoji="1" lang="ja-JP" altLang="en-US" smtClean="0"/>
-              <a:t>2022/6/5</a:t>
+              <a:t>2022/6/12</a:t>
             </a:fld>
             <a:endParaRPr kumimoji="1" lang="ja-JP" altLang="en-US"/>
           </a:p>
@@ -1321,7 +1409,7 @@
           <a:p>
             <a:fld id="{0912F755-E978-4522-876F-D41663BDBFC9}" type="datetime1">
               <a:rPr kumimoji="1" lang="ja-JP" altLang="en-US" smtClean="0"/>
-              <a:t>2022/6/5</a:t>
+              <a:t>2022/6/12</a:t>
             </a:fld>
             <a:endParaRPr kumimoji="1" lang="ja-JP" altLang="en-US"/>
           </a:p>
@@ -1566,7 +1654,7 @@
           <a:p>
             <a:fld id="{20498915-8164-4412-A85E-D220522D3AE2}" type="datetime1">
               <a:rPr kumimoji="1" lang="ja-JP" altLang="en-US" smtClean="0"/>
-              <a:t>2022/6/5</a:t>
+              <a:t>2022/6/12</a:t>
             </a:fld>
             <a:endParaRPr kumimoji="1" lang="ja-JP" altLang="en-US"/>
           </a:p>
@@ -1859,7 +1947,7 @@
           <a:p>
             <a:fld id="{12531991-D549-421F-86D2-698A5B78851E}" type="datetime1">
               <a:rPr kumimoji="1" lang="ja-JP" altLang="en-US" smtClean="0"/>
-              <a:t>2022/6/5</a:t>
+              <a:t>2022/6/12</a:t>
             </a:fld>
             <a:endParaRPr kumimoji="1" lang="ja-JP" altLang="en-US"/>
           </a:p>
@@ -2287,7 +2375,7 @@
           <a:p>
             <a:fld id="{383BA5FC-A4E6-48B4-8444-D8F79A915706}" type="datetime1">
               <a:rPr kumimoji="1" lang="ja-JP" altLang="en-US" smtClean="0"/>
-              <a:t>2022/6/5</a:t>
+              <a:t>2022/6/12</a:t>
             </a:fld>
             <a:endParaRPr kumimoji="1" lang="ja-JP" altLang="en-US"/>
           </a:p>
@@ -2404,7 +2492,7 @@
           <a:p>
             <a:fld id="{86CD1534-86B6-4320-870F-736D9FCC8FD2}" type="datetime1">
               <a:rPr kumimoji="1" lang="ja-JP" altLang="en-US" smtClean="0"/>
-              <a:t>2022/6/5</a:t>
+              <a:t>2022/6/12</a:t>
             </a:fld>
             <a:endParaRPr kumimoji="1" lang="ja-JP" altLang="en-US"/>
           </a:p>
@@ -2499,7 +2587,7 @@
           <a:p>
             <a:fld id="{50E84BD6-F2B5-4D3D-9B84-AA8062503016}" type="datetime1">
               <a:rPr kumimoji="1" lang="ja-JP" altLang="en-US" smtClean="0"/>
-              <a:t>2022/6/5</a:t>
+              <a:t>2022/6/12</a:t>
             </a:fld>
             <a:endParaRPr kumimoji="1" lang="ja-JP" altLang="en-US"/>
           </a:p>
@@ -2806,7 +2894,7 @@
           <a:p>
             <a:fld id="{29C2725C-9486-469C-A0D6-8F49E60F22E4}" type="datetime1">
               <a:rPr kumimoji="1" lang="ja-JP" altLang="en-US" smtClean="0"/>
-              <a:t>2022/6/5</a:t>
+              <a:t>2022/6/12</a:t>
             </a:fld>
             <a:endParaRPr kumimoji="1" lang="ja-JP" altLang="en-US"/>
           </a:p>
@@ -3058,7 +3146,7 @@
           <a:p>
             <a:fld id="{B02B278F-5837-45C2-9DA8-D4A84F34C4F9}" type="datetime1">
               <a:rPr kumimoji="1" lang="ja-JP" altLang="en-US" smtClean="0"/>
-              <a:t>2022/6/5</a:t>
+              <a:t>2022/6/12</a:t>
             </a:fld>
             <a:endParaRPr kumimoji="1" lang="ja-JP" altLang="en-US"/>
           </a:p>
@@ -3301,7 +3389,7 @@
           <a:p>
             <a:fld id="{7BF3BD89-7D67-4E37-A93E-330986D8A011}" type="datetime1">
               <a:rPr kumimoji="1" lang="ja-JP" altLang="en-US" smtClean="0"/>
-              <a:t>2022/6/5</a:t>
+              <a:t>2022/6/12</a:t>
             </a:fld>
             <a:endParaRPr kumimoji="1" lang="ja-JP" altLang="en-US"/>
           </a:p>
@@ -3756,16 +3844,10 @@
           <a:p>
             <a:pPr algn="r"/>
             <a:r>
-              <a:rPr kumimoji="1" lang="en-US" altLang="ja-JP" dirty="0">
-                <a:latin typeface="+mn-ea"/>
-              </a:rPr>
-              <a:t>2218012</a:t>
-            </a:r>
-            <a:r>
               <a:rPr kumimoji="1" lang="ja-JP" altLang="en-US" dirty="0">
                 <a:latin typeface="+mn-ea"/>
               </a:rPr>
-              <a:t>　山崎貴弘</a:t>
+              <a:t>山崎貴弘</a:t>
             </a:r>
           </a:p>
         </p:txBody>
@@ -3787,7 +3869,7 @@
           <a:p>
             <a:fld id="{D1733D10-BD8C-4444-8AAB-C5827B858ABB}" type="datetime1">
               <a:rPr kumimoji="1" lang="ja-JP" altLang="en-US" smtClean="0"/>
-              <a:t>2022/6/5</a:t>
+              <a:t>2022/6/12</a:t>
             </a:fld>
             <a:endParaRPr kumimoji="1" lang="ja-JP" altLang="en-US"/>
           </a:p>
@@ -3893,7 +3975,7 @@
           <a:p>
             <a:fld id="{86CD1534-86B6-4320-870F-736D9FCC8FD2}" type="datetime1">
               <a:rPr kumimoji="1" lang="ja-JP" altLang="en-US" smtClean="0"/>
-              <a:t>2022/6/5</a:t>
+              <a:t>2022/6/12</a:t>
             </a:fld>
             <a:endParaRPr kumimoji="1" lang="ja-JP" altLang="en-US"/>
           </a:p>
@@ -4134,7 +4216,7 @@
         <p:spPr>
           <a:xfrm>
             <a:off x="838200" y="1343818"/>
-            <a:ext cx="10515600" cy="5012532"/>
+            <a:ext cx="10515600" cy="1593346"/>
           </a:xfrm>
         </p:spPr>
         <p:txBody>
@@ -4142,6 +4224,258 @@
             <a:normAutofit/>
           </a:bodyPr>
           <a:lstStyle/>
+          <a:p>
+            <a:r>
+              <a:rPr lang="ja-JP" altLang="en-US" dirty="0">
+                <a:latin typeface="游ゴシック" panose="020B0400000000000000" pitchFamily="50" charset="-128"/>
+                <a:ea typeface="游ゴシック" panose="020B0400000000000000" pitchFamily="50" charset="-128"/>
+              </a:rPr>
+              <a:t>混入させた</a:t>
+            </a:r>
+            <a:endParaRPr lang="en-US" altLang="ja-JP" dirty="0">
+              <a:latin typeface="游ゴシック" panose="020B0400000000000000" pitchFamily="50" charset="-128"/>
+              <a:ea typeface="游ゴシック" panose="020B0400000000000000" pitchFamily="50" charset="-128"/>
+            </a:endParaRPr>
+          </a:p>
+        </p:txBody>
+      </p:sp>
+      <p:sp>
+        <p:nvSpPr>
+          <p:cNvPr id="4" name="日付プレースホルダー 3"/>
+          <p:cNvSpPr>
+            <a:spLocks noGrp="1"/>
+          </p:cNvSpPr>
+          <p:nvPr>
+            <p:ph type="dt" sz="half" idx="10"/>
+          </p:nvPr>
+        </p:nvSpPr>
+        <p:spPr/>
+        <p:txBody>
+          <a:bodyPr/>
+          <a:lstStyle/>
+          <a:p>
+            <a:fld id="{0912F755-E978-4522-876F-D41663BDBFC9}" type="datetime1">
+              <a:rPr kumimoji="1" lang="ja-JP" altLang="en-US" smtClean="0"/>
+              <a:t>2022/6/12</a:t>
+            </a:fld>
+            <a:endParaRPr kumimoji="1" lang="ja-JP" altLang="en-US"/>
+          </a:p>
+        </p:txBody>
+      </p:sp>
+      <p:sp>
+        <p:nvSpPr>
+          <p:cNvPr id="5" name="スライド番号プレースホルダー 4"/>
+          <p:cNvSpPr>
+            <a:spLocks noGrp="1"/>
+          </p:cNvSpPr>
+          <p:nvPr>
+            <p:ph type="sldNum" sz="quarter" idx="12"/>
+          </p:nvPr>
+        </p:nvSpPr>
+        <p:spPr/>
+        <p:txBody>
+          <a:bodyPr/>
+          <a:lstStyle/>
+          <a:p>
+            <a:fld id="{20E06592-758F-4014-8246-D79D01A8A773}" type="slidenum">
+              <a:rPr kumimoji="1" lang="ja-JP" altLang="en-US" smtClean="0"/>
+              <a:t>3</a:t>
+            </a:fld>
+            <a:endParaRPr kumimoji="1" lang="ja-JP" altLang="en-US"/>
+          </a:p>
+        </p:txBody>
+      </p:sp>
+      <p:sp>
+        <p:nvSpPr>
+          <p:cNvPr id="6" name="コンテンツ プレースホルダー 2">
+            <a:extLst>
+              <a:ext uri="{FF2B5EF4-FFF2-40B4-BE49-F238E27FC236}">
+                <a16:creationId xmlns:a16="http://schemas.microsoft.com/office/drawing/2014/main" id="{1AE140F0-C9FA-5173-08ED-3B199A3BC9DB}"/>
+              </a:ext>
+            </a:extLst>
+          </p:cNvPr>
+          <p:cNvSpPr txBox="1">
+            <a:spLocks/>
+          </p:cNvSpPr>
+          <p:nvPr/>
+        </p:nvSpPr>
+        <p:spPr>
+          <a:xfrm>
+            <a:off x="838200" y="3466054"/>
+            <a:ext cx="10515600" cy="1593346"/>
+          </a:xfrm>
+          <a:prstGeom prst="rect">
+            <a:avLst/>
+          </a:prstGeom>
+        </p:spPr>
+        <p:txBody>
+          <a:bodyPr vert="horz" lIns="91440" tIns="45720" rIns="91440" bIns="45720" rtlCol="0">
+            <a:normAutofit/>
+          </a:bodyPr>
+          <a:lstStyle>
+            <a:lvl1pPr marL="228600" indent="-228600" algn="l" defTabSz="914400" rtl="0" eaLnBrk="1" latinLnBrk="0" hangingPunct="1">
+              <a:lnSpc>
+                <a:spcPct val="90000"/>
+              </a:lnSpc>
+              <a:spcBef>
+                <a:spcPts val="1000"/>
+              </a:spcBef>
+              <a:buFont typeface="Arial" panose="020B0604020202020204" pitchFamily="34" charset="0"/>
+              <a:buChar char="•"/>
+              <a:defRPr kumimoji="1" sz="2800" kern="1200">
+                <a:solidFill>
+                  <a:schemeClr val="tx1"/>
+                </a:solidFill>
+                <a:latin typeface="+mn-lt"/>
+                <a:ea typeface="+mn-ea"/>
+                <a:cs typeface="+mn-cs"/>
+              </a:defRPr>
+            </a:lvl1pPr>
+            <a:lvl2pPr marL="685800" indent="-228600" algn="l" defTabSz="914400" rtl="0" eaLnBrk="1" latinLnBrk="0" hangingPunct="1">
+              <a:lnSpc>
+                <a:spcPct val="90000"/>
+              </a:lnSpc>
+              <a:spcBef>
+                <a:spcPts val="500"/>
+              </a:spcBef>
+              <a:buFont typeface="Arial" panose="020B0604020202020204" pitchFamily="34" charset="0"/>
+              <a:buChar char="•"/>
+              <a:defRPr kumimoji="1" sz="2400" kern="1200">
+                <a:solidFill>
+                  <a:schemeClr val="tx1"/>
+                </a:solidFill>
+                <a:latin typeface="+mn-lt"/>
+                <a:ea typeface="+mn-ea"/>
+                <a:cs typeface="+mn-cs"/>
+              </a:defRPr>
+            </a:lvl2pPr>
+            <a:lvl3pPr marL="1143000" indent="-228600" algn="l" defTabSz="914400" rtl="0" eaLnBrk="1" latinLnBrk="0" hangingPunct="1">
+              <a:lnSpc>
+                <a:spcPct val="90000"/>
+              </a:lnSpc>
+              <a:spcBef>
+                <a:spcPts val="500"/>
+              </a:spcBef>
+              <a:buFont typeface="Arial" panose="020B0604020202020204" pitchFamily="34" charset="0"/>
+              <a:buChar char="•"/>
+              <a:defRPr kumimoji="1" sz="2000" kern="1200">
+                <a:solidFill>
+                  <a:schemeClr val="tx1"/>
+                </a:solidFill>
+                <a:latin typeface="+mn-lt"/>
+                <a:ea typeface="+mn-ea"/>
+                <a:cs typeface="+mn-cs"/>
+              </a:defRPr>
+            </a:lvl3pPr>
+            <a:lvl4pPr marL="1600200" indent="-228600" algn="l" defTabSz="914400" rtl="0" eaLnBrk="1" latinLnBrk="0" hangingPunct="1">
+              <a:lnSpc>
+                <a:spcPct val="90000"/>
+              </a:lnSpc>
+              <a:spcBef>
+                <a:spcPts val="500"/>
+              </a:spcBef>
+              <a:buFont typeface="Arial" panose="020B0604020202020204" pitchFamily="34" charset="0"/>
+              <a:buChar char="•"/>
+              <a:defRPr kumimoji="1" sz="1800" kern="1200">
+                <a:solidFill>
+                  <a:schemeClr val="tx1"/>
+                </a:solidFill>
+                <a:latin typeface="+mn-lt"/>
+                <a:ea typeface="+mn-ea"/>
+                <a:cs typeface="+mn-cs"/>
+              </a:defRPr>
+            </a:lvl4pPr>
+            <a:lvl5pPr marL="2057400" indent="-228600" algn="l" defTabSz="914400" rtl="0" eaLnBrk="1" latinLnBrk="0" hangingPunct="1">
+              <a:lnSpc>
+                <a:spcPct val="90000"/>
+              </a:lnSpc>
+              <a:spcBef>
+                <a:spcPts val="500"/>
+              </a:spcBef>
+              <a:buFont typeface="Arial" panose="020B0604020202020204" pitchFamily="34" charset="0"/>
+              <a:buChar char="•"/>
+              <a:defRPr kumimoji="1" sz="1800" kern="1200">
+                <a:solidFill>
+                  <a:schemeClr val="tx1"/>
+                </a:solidFill>
+                <a:latin typeface="+mn-lt"/>
+                <a:ea typeface="+mn-ea"/>
+                <a:cs typeface="+mn-cs"/>
+              </a:defRPr>
+            </a:lvl5pPr>
+            <a:lvl6pPr marL="2514600" indent="-228600" algn="l" defTabSz="914400" rtl="0" eaLnBrk="1" latinLnBrk="0" hangingPunct="1">
+              <a:lnSpc>
+                <a:spcPct val="90000"/>
+              </a:lnSpc>
+              <a:spcBef>
+                <a:spcPts val="500"/>
+              </a:spcBef>
+              <a:buFont typeface="Arial" panose="020B0604020202020204" pitchFamily="34" charset="0"/>
+              <a:buChar char="•"/>
+              <a:defRPr kumimoji="1" sz="1800" kern="1200">
+                <a:solidFill>
+                  <a:schemeClr val="tx1"/>
+                </a:solidFill>
+                <a:latin typeface="+mn-lt"/>
+                <a:ea typeface="+mn-ea"/>
+                <a:cs typeface="+mn-cs"/>
+              </a:defRPr>
+            </a:lvl6pPr>
+            <a:lvl7pPr marL="2971800" indent="-228600" algn="l" defTabSz="914400" rtl="0" eaLnBrk="1" latinLnBrk="0" hangingPunct="1">
+              <a:lnSpc>
+                <a:spcPct val="90000"/>
+              </a:lnSpc>
+              <a:spcBef>
+                <a:spcPts val="500"/>
+              </a:spcBef>
+              <a:buFont typeface="Arial" panose="020B0604020202020204" pitchFamily="34" charset="0"/>
+              <a:buChar char="•"/>
+              <a:defRPr kumimoji="1" sz="1800" kern="1200">
+                <a:solidFill>
+                  <a:schemeClr val="tx1"/>
+                </a:solidFill>
+                <a:latin typeface="+mn-lt"/>
+                <a:ea typeface="+mn-ea"/>
+                <a:cs typeface="+mn-cs"/>
+              </a:defRPr>
+            </a:lvl7pPr>
+            <a:lvl8pPr marL="3429000" indent="-228600" algn="l" defTabSz="914400" rtl="0" eaLnBrk="1" latinLnBrk="0" hangingPunct="1">
+              <a:lnSpc>
+                <a:spcPct val="90000"/>
+              </a:lnSpc>
+              <a:spcBef>
+                <a:spcPts val="500"/>
+              </a:spcBef>
+              <a:buFont typeface="Arial" panose="020B0604020202020204" pitchFamily="34" charset="0"/>
+              <a:buChar char="•"/>
+              <a:defRPr kumimoji="1" sz="1800" kern="1200">
+                <a:solidFill>
+                  <a:schemeClr val="tx1"/>
+                </a:solidFill>
+                <a:latin typeface="+mn-lt"/>
+                <a:ea typeface="+mn-ea"/>
+                <a:cs typeface="+mn-cs"/>
+              </a:defRPr>
+            </a:lvl8pPr>
+            <a:lvl9pPr marL="3886200" indent="-228600" algn="l" defTabSz="914400" rtl="0" eaLnBrk="1" latinLnBrk="0" hangingPunct="1">
+              <a:lnSpc>
+                <a:spcPct val="90000"/>
+              </a:lnSpc>
+              <a:spcBef>
+                <a:spcPts val="500"/>
+              </a:spcBef>
+              <a:buFont typeface="Arial" panose="020B0604020202020204" pitchFamily="34" charset="0"/>
+              <a:buChar char="•"/>
+              <a:defRPr kumimoji="1" sz="1800" kern="1200">
+                <a:solidFill>
+                  <a:schemeClr val="tx1"/>
+                </a:solidFill>
+                <a:latin typeface="+mn-lt"/>
+                <a:ea typeface="+mn-ea"/>
+                <a:cs typeface="+mn-cs"/>
+              </a:defRPr>
+            </a:lvl9pPr>
+          </a:lstStyle>
           <a:p>
             <a:r>
               <a:rPr lang="ja-JP" altLang="en-US" dirty="0">
@@ -4150,62 +4484,10 @@
               </a:rPr>
               <a:t>挿入させた</a:t>
             </a:r>
-            <a:endParaRPr kumimoji="1" lang="en-US" altLang="ja-JP" dirty="0">
+            <a:endParaRPr lang="en-US" altLang="ja-JP" dirty="0">
               <a:latin typeface="游ゴシック" panose="020B0400000000000000" pitchFamily="50" charset="-128"/>
               <a:ea typeface="游ゴシック" panose="020B0400000000000000" pitchFamily="50" charset="-128"/>
             </a:endParaRPr>
-          </a:p>
-          <a:p>
-            <a:endParaRPr kumimoji="1" lang="en-US" altLang="ja-JP" dirty="0">
-              <a:latin typeface="游ゴシック" panose="020B0400000000000000" pitchFamily="50" charset="-128"/>
-              <a:ea typeface="游ゴシック" panose="020B0400000000000000" pitchFamily="50" charset="-128"/>
-            </a:endParaRPr>
-          </a:p>
-        </p:txBody>
-      </p:sp>
-      <p:sp>
-        <p:nvSpPr>
-          <p:cNvPr id="4" name="日付プレースホルダー 3"/>
-          <p:cNvSpPr>
-            <a:spLocks noGrp="1"/>
-          </p:cNvSpPr>
-          <p:nvPr>
-            <p:ph type="dt" sz="half" idx="10"/>
-          </p:nvPr>
-        </p:nvSpPr>
-        <p:spPr/>
-        <p:txBody>
-          <a:bodyPr/>
-          <a:lstStyle/>
-          <a:p>
-            <a:fld id="{0912F755-E978-4522-876F-D41663BDBFC9}" type="datetime1">
-              <a:rPr kumimoji="1" lang="ja-JP" altLang="en-US" smtClean="0"/>
-              <a:t>2022/6/5</a:t>
-            </a:fld>
-            <a:endParaRPr kumimoji="1" lang="ja-JP" altLang="en-US"/>
-          </a:p>
-        </p:txBody>
-      </p:sp>
-      <p:sp>
-        <p:nvSpPr>
-          <p:cNvPr id="5" name="スライド番号プレースホルダー 4"/>
-          <p:cNvSpPr>
-            <a:spLocks noGrp="1"/>
-          </p:cNvSpPr>
-          <p:nvPr>
-            <p:ph type="sldNum" sz="quarter" idx="12"/>
-          </p:nvPr>
-        </p:nvSpPr>
-        <p:spPr/>
-        <p:txBody>
-          <a:bodyPr/>
-          <a:lstStyle/>
-          <a:p>
-            <a:fld id="{20E06592-758F-4014-8246-D79D01A8A773}" type="slidenum">
-              <a:rPr kumimoji="1" lang="ja-JP" altLang="en-US" smtClean="0"/>
-              <a:t>3</a:t>
-            </a:fld>
-            <a:endParaRPr kumimoji="1" lang="ja-JP" altLang="en-US"/>
           </a:p>
         </p:txBody>
       </p:sp>

--- a/pptx/sample.pptx
+++ b/pptx/sample.pptx
@@ -5,12 +5,13 @@
     <p:sldMasterId id="2147483648" r:id="rId1"/>
   </p:sldMasterIdLst>
   <p:notesMasterIdLst>
-    <p:notesMasterId r:id="rId5"/>
+    <p:notesMasterId r:id="rId6"/>
   </p:notesMasterIdLst>
   <p:sldIdLst>
     <p:sldId id="256" r:id="rId2"/>
     <p:sldId id="257" r:id="rId3"/>
     <p:sldId id="258" r:id="rId4"/>
+    <p:sldId id="259" r:id="rId5"/>
   </p:sldIdLst>
   <p:sldSz cx="12192000" cy="6858000"/>
   <p:notesSz cx="6858000" cy="9144000"/>
@@ -543,7 +544,7 @@
           <a:lstStyle/>
           <a:p>
             <a:r>
-              <a:t>and for back</a:t>
+              <a:t>受け身あるかも</a:t>
             </a:r>
           </a:p>
         </p:txBody>
@@ -629,7 +630,95 @@
           <a:lstStyle/>
           <a:p>
             <a:r>
-              <a:t>and for back</a:t>
+              <a:rPr kumimoji="1" lang="ja-JP" altLang="en-US"/>
+              <a:t>サブタイは分かりやすく</a:t>
+            </a:r>
+            <a:endParaRPr kumimoji="1" lang="ja-JP" altLang="en-US" dirty="0"/>
+          </a:p>
+        </p:txBody>
+      </p:sp>
+      <p:sp>
+        <p:nvSpPr>
+          <p:cNvPr id="4" name="スライド番号プレースホルダー 3"/>
+          <p:cNvSpPr>
+            <a:spLocks noGrp="1"/>
+          </p:cNvSpPr>
+          <p:nvPr>
+            <p:ph type="sldNum" sz="quarter" idx="5"/>
+          </p:nvPr>
+        </p:nvSpPr>
+        <p:spPr/>
+        <p:txBody>
+          <a:bodyPr/>
+          <a:lstStyle/>
+          <a:p>
+            <a:fld id="{DC2BBCF5-A05A-45A8-98F7-798CE917F2C8}" type="slidenum">
+              <a:rPr kumimoji="1" lang="ja-JP" altLang="en-US" smtClean="0"/>
+              <a:t>2</a:t>
+            </a:fld>
+            <a:endParaRPr kumimoji="1" lang="ja-JP" altLang="en-US"/>
+          </a:p>
+        </p:txBody>
+      </p:sp>
+    </p:spTree>
+    <p:extLst>
+      <p:ext uri="{BB962C8B-B14F-4D97-AF65-F5344CB8AC3E}">
+        <p14:creationId xmlns:p14="http://schemas.microsoft.com/office/powerpoint/2010/main" val="3929111327"/>
+      </p:ext>
+    </p:extLst>
+  </p:cSld>
+  <p:clrMapOvr>
+    <a:masterClrMapping/>
+  </p:clrMapOvr>
+</p:notes>
+</file>
+
+<file path=ppt/notesSlides/notesSlide3.xml><?xml version="1.0" encoding="utf-8"?>
+<p:notes xmlns:a="http://schemas.openxmlformats.org/drawingml/2006/main" xmlns:r="http://schemas.openxmlformats.org/officeDocument/2006/relationships" xmlns:p="http://schemas.openxmlformats.org/presentationml/2006/main">
+  <p:cSld>
+    <p:spTree>
+      <p:nvGrpSpPr>
+        <p:cNvPr id="1" name=""/>
+        <p:cNvGrpSpPr/>
+        <p:nvPr/>
+      </p:nvGrpSpPr>
+      <p:grpSpPr>
+        <a:xfrm>
+          <a:off x="0" y="0"/>
+          <a:ext cx="0" cy="0"/>
+          <a:chOff x="0" y="0"/>
+          <a:chExt cx="0" cy="0"/>
+        </a:xfrm>
+      </p:grpSpPr>
+      <p:sp>
+        <p:nvSpPr>
+          <p:cNvPr id="2" name="スライド イメージ プレースホルダー 1"/>
+          <p:cNvSpPr>
+            <a:spLocks noGrp="1" noRot="1" noChangeAspect="1"/>
+          </p:cNvSpPr>
+          <p:nvPr>
+            <p:ph type="sldImg"/>
+          </p:nvPr>
+        </p:nvSpPr>
+        <p:spPr/>
+      </p:sp>
+      <p:sp>
+        <p:nvSpPr>
+          <p:cNvPr id="3" name="ノート プレースホルダー 2"/>
+          <p:cNvSpPr>
+            <a:spLocks noGrp="1"/>
+          </p:cNvSpPr>
+          <p:nvPr>
+            <p:ph type="body" idx="1"/>
+          </p:nvPr>
+        </p:nvSpPr>
+        <p:spPr/>
+        <p:txBody>
+          <a:bodyPr/>
+          <a:lstStyle/>
+          <a:p>
+            <a:r>
+              <a:t>受け身あるかも</a:t>
             </a:r>
           </a:p>
         </p:txBody>
@@ -661,6 +750,92 @@
     <p:extLst>
       <p:ext uri="{BB962C8B-B14F-4D97-AF65-F5344CB8AC3E}">
         <p14:creationId xmlns:p14="http://schemas.microsoft.com/office/powerpoint/2010/main" val="261725537"/>
+      </p:ext>
+    </p:extLst>
+  </p:cSld>
+  <p:clrMapOvr>
+    <a:masterClrMapping/>
+  </p:clrMapOvr>
+</p:notes>
+</file>
+
+<file path=ppt/notesSlides/notesSlide4.xml><?xml version="1.0" encoding="utf-8"?>
+<p:notes xmlns:a="http://schemas.openxmlformats.org/drawingml/2006/main" xmlns:r="http://schemas.openxmlformats.org/officeDocument/2006/relationships" xmlns:p="http://schemas.openxmlformats.org/presentationml/2006/main">
+  <p:cSld>
+    <p:spTree>
+      <p:nvGrpSpPr>
+        <p:cNvPr id="1" name=""/>
+        <p:cNvGrpSpPr/>
+        <p:nvPr/>
+      </p:nvGrpSpPr>
+      <p:grpSpPr>
+        <a:xfrm>
+          <a:off x="0" y="0"/>
+          <a:ext cx="0" cy="0"/>
+          <a:chOff x="0" y="0"/>
+          <a:chExt cx="0" cy="0"/>
+        </a:xfrm>
+      </p:grpSpPr>
+      <p:sp>
+        <p:nvSpPr>
+          <p:cNvPr id="2" name="スライド イメージ プレースホルダー 1"/>
+          <p:cNvSpPr>
+            <a:spLocks noGrp="1" noRot="1" noChangeAspect="1"/>
+          </p:cNvSpPr>
+          <p:nvPr>
+            <p:ph type="sldImg"/>
+          </p:nvPr>
+        </p:nvSpPr>
+        <p:spPr/>
+      </p:sp>
+      <p:sp>
+        <p:nvSpPr>
+          <p:cNvPr id="3" name="ノート プレースホルダー 2"/>
+          <p:cNvSpPr>
+            <a:spLocks noGrp="1"/>
+          </p:cNvSpPr>
+          <p:nvPr>
+            <p:ph type="body" idx="1"/>
+          </p:nvPr>
+        </p:nvSpPr>
+        <p:spPr/>
+        <p:txBody>
+          <a:bodyPr/>
+          <a:lstStyle/>
+          <a:p>
+            <a:r>
+              <a:t>受け身あるかも</a:t>
+            </a:r>
+          </a:p>
+        </p:txBody>
+      </p:sp>
+      <p:sp>
+        <p:nvSpPr>
+          <p:cNvPr id="4" name="スライド番号プレースホルダー 3"/>
+          <p:cNvSpPr>
+            <a:spLocks noGrp="1"/>
+          </p:cNvSpPr>
+          <p:nvPr>
+            <p:ph type="sldNum" sz="quarter" idx="5"/>
+          </p:nvPr>
+        </p:nvSpPr>
+        <p:spPr/>
+        <p:txBody>
+          <a:bodyPr/>
+          <a:lstStyle/>
+          <a:p>
+            <a:fld id="{DC2BBCF5-A05A-45A8-98F7-798CE917F2C8}" type="slidenum">
+              <a:rPr kumimoji="1" lang="ja-JP" altLang="en-US" smtClean="0"/>
+              <a:t>4</a:t>
+            </a:fld>
+            <a:endParaRPr kumimoji="1" lang="ja-JP" altLang="en-US"/>
+          </a:p>
+        </p:txBody>
+      </p:sp>
+    </p:spTree>
+    <p:extLst>
+      <p:ext uri="{BB962C8B-B14F-4D97-AF65-F5344CB8AC3E}">
+        <p14:creationId xmlns:p14="http://schemas.microsoft.com/office/powerpoint/2010/main" val="1105229767"/>
       </p:ext>
     </p:extLst>
   </p:cSld>
@@ -4495,6 +4670,375 @@
     <p:extLst>
       <p:ext uri="{BB962C8B-B14F-4D97-AF65-F5344CB8AC3E}">
         <p14:creationId xmlns:p14="http://schemas.microsoft.com/office/powerpoint/2010/main" val="3344881385"/>
+      </p:ext>
+    </p:extLst>
+  </p:cSld>
+  <p:clrMapOvr>
+    <a:masterClrMapping/>
+  </p:clrMapOvr>
+</p:sld>
+</file>
+
+<file path=ppt/slides/slide4.xml><?xml version="1.0" encoding="utf-8"?>
+<p:sld xmlns:a="http://schemas.openxmlformats.org/drawingml/2006/main" xmlns:r="http://schemas.openxmlformats.org/officeDocument/2006/relationships" xmlns:p="http://schemas.openxmlformats.org/presentationml/2006/main">
+  <p:cSld>
+    <p:spTree>
+      <p:nvGrpSpPr>
+        <p:cNvPr id="1" name=""/>
+        <p:cNvGrpSpPr/>
+        <p:nvPr/>
+      </p:nvGrpSpPr>
+      <p:grpSpPr>
+        <a:xfrm>
+          <a:off x="0" y="0"/>
+          <a:ext cx="0" cy="0"/>
+          <a:chOff x="0" y="0"/>
+          <a:chExt cx="0" cy="0"/>
+        </a:xfrm>
+      </p:grpSpPr>
+      <p:sp>
+        <p:nvSpPr>
+          <p:cNvPr id="2" name="タイトル 1"/>
+          <p:cNvSpPr>
+            <a:spLocks noGrp="1"/>
+          </p:cNvSpPr>
+          <p:nvPr>
+            <p:ph type="title"/>
+          </p:nvPr>
+        </p:nvSpPr>
+        <p:spPr>
+          <a:xfrm>
+            <a:off x="838200" y="18255"/>
+            <a:ext cx="10515600" cy="1325563"/>
+          </a:xfrm>
+        </p:spPr>
+        <p:txBody>
+          <a:bodyPr/>
+          <a:lstStyle/>
+          <a:p>
+            <a:r>
+              <a:rPr kumimoji="1" lang="en-US" altLang="ja-JP" dirty="0">
+                <a:latin typeface="游ゴシック Light" panose="020B0300000000000000" pitchFamily="50" charset="-128"/>
+                <a:ea typeface="游ゴシック Light" panose="020B0300000000000000" pitchFamily="50" charset="-128"/>
+              </a:rPr>
+              <a:t>1.</a:t>
+            </a:r>
+            <a:r>
+              <a:rPr kumimoji="1" lang="ja-JP" altLang="en-US" dirty="0">
+                <a:latin typeface="游ゴシック Light" panose="020B0300000000000000" pitchFamily="50" charset="-128"/>
+                <a:ea typeface="游ゴシック Light" panose="020B0300000000000000" pitchFamily="50" charset="-128"/>
+              </a:rPr>
+              <a:t>田中研のコメント</a:t>
+            </a:r>
+          </a:p>
+        </p:txBody>
+      </p:sp>
+      <p:sp>
+        <p:nvSpPr>
+          <p:cNvPr id="4" name="日付プレースホルダー 3"/>
+          <p:cNvSpPr>
+            <a:spLocks noGrp="1"/>
+          </p:cNvSpPr>
+          <p:nvPr>
+            <p:ph type="dt" sz="half" idx="10"/>
+          </p:nvPr>
+        </p:nvSpPr>
+        <p:spPr/>
+        <p:txBody>
+          <a:bodyPr/>
+          <a:lstStyle/>
+          <a:p>
+            <a:fld id="{0912F755-E978-4522-876F-D41663BDBFC9}" type="datetime1">
+              <a:rPr kumimoji="1" lang="ja-JP" altLang="en-US" smtClean="0"/>
+              <a:t>2022/6/12</a:t>
+            </a:fld>
+            <a:endParaRPr kumimoji="1" lang="ja-JP" altLang="en-US"/>
+          </a:p>
+        </p:txBody>
+      </p:sp>
+      <p:sp>
+        <p:nvSpPr>
+          <p:cNvPr id="5" name="スライド番号プレースホルダー 4"/>
+          <p:cNvSpPr>
+            <a:spLocks noGrp="1"/>
+          </p:cNvSpPr>
+          <p:nvPr>
+            <p:ph type="sldNum" sz="quarter" idx="12"/>
+          </p:nvPr>
+        </p:nvSpPr>
+        <p:spPr/>
+        <p:txBody>
+          <a:bodyPr/>
+          <a:lstStyle/>
+          <a:p>
+            <a:fld id="{20E06592-758F-4014-8246-D79D01A8A773}" type="slidenum">
+              <a:rPr kumimoji="1" lang="ja-JP" altLang="en-US" smtClean="0"/>
+              <a:t>4</a:t>
+            </a:fld>
+            <a:endParaRPr kumimoji="1" lang="ja-JP" altLang="en-US"/>
+          </a:p>
+        </p:txBody>
+      </p:sp>
+      <p:graphicFrame>
+        <p:nvGraphicFramePr>
+          <p:cNvPr id="9" name="表 9">
+            <a:extLst>
+              <a:ext uri="{FF2B5EF4-FFF2-40B4-BE49-F238E27FC236}">
+                <a16:creationId xmlns:a16="http://schemas.microsoft.com/office/drawing/2014/main" id="{328118A4-E62D-E39C-EA44-E4B32DA0CE1C}"/>
+              </a:ext>
+            </a:extLst>
+          </p:cNvPr>
+          <p:cNvGraphicFramePr>
+            <a:graphicFrameLocks noGrp="1"/>
+          </p:cNvGraphicFramePr>
+          <p:nvPr>
+            <p:ph idx="1"/>
+            <p:extLst>
+              <p:ext uri="{D42A27DB-BD31-4B8C-83A1-F6EECF244321}">
+                <p14:modId xmlns:p14="http://schemas.microsoft.com/office/powerpoint/2010/main" val="1613907401"/>
+              </p:ext>
+            </p:extLst>
+          </p:nvPr>
+        </p:nvGraphicFramePr>
+        <p:xfrm>
+          <a:off x="838200" y="1825625"/>
+          <a:ext cx="10515600" cy="1483360"/>
+        </p:xfrm>
+        <a:graphic>
+          <a:graphicData uri="http://schemas.openxmlformats.org/drawingml/2006/table">
+            <a:tbl>
+              <a:tblPr firstRow="1" bandRow="1">
+                <a:tableStyleId>{5C22544A-7EE6-4342-B048-85BDC9FD1C3A}</a:tableStyleId>
+              </a:tblPr>
+              <a:tblGrid>
+                <a:gridCol w="2628900">
+                  <a:extLst>
+                    <a:ext uri="{9D8B030D-6E8A-4147-A177-3AD203B41FA5}">
+                      <a16:colId xmlns:a16="http://schemas.microsoft.com/office/drawing/2014/main" val="3163526904"/>
+                    </a:ext>
+                  </a:extLst>
+                </a:gridCol>
+                <a:gridCol w="2628900">
+                  <a:extLst>
+                    <a:ext uri="{9D8B030D-6E8A-4147-A177-3AD203B41FA5}">
+                      <a16:colId xmlns:a16="http://schemas.microsoft.com/office/drawing/2014/main" val="3481510413"/>
+                    </a:ext>
+                  </a:extLst>
+                </a:gridCol>
+                <a:gridCol w="2628900">
+                  <a:extLst>
+                    <a:ext uri="{9D8B030D-6E8A-4147-A177-3AD203B41FA5}">
+                      <a16:colId xmlns:a16="http://schemas.microsoft.com/office/drawing/2014/main" val="2706062035"/>
+                    </a:ext>
+                  </a:extLst>
+                </a:gridCol>
+                <a:gridCol w="2628900">
+                  <a:extLst>
+                    <a:ext uri="{9D8B030D-6E8A-4147-A177-3AD203B41FA5}">
+                      <a16:colId xmlns:a16="http://schemas.microsoft.com/office/drawing/2014/main" val="1525257536"/>
+                    </a:ext>
+                  </a:extLst>
+                </a:gridCol>
+              </a:tblGrid>
+              <a:tr h="370840">
+                <a:tc>
+                  <a:txBody>
+                    <a:bodyPr/>
+                    <a:lstStyle/>
+                    <a:p>
+                      <a:r>
+                        <a:rPr kumimoji="1" lang="ja-JP" altLang="en-US" dirty="0"/>
+                        <a:t>なんとかさせる</a:t>
+                      </a:r>
+                    </a:p>
+                  </a:txBody>
+                  <a:tcPr/>
+                </a:tc>
+                <a:tc>
+                  <a:txBody>
+                    <a:bodyPr/>
+                    <a:lstStyle/>
+                    <a:p>
+                      <a:endParaRPr kumimoji="1" lang="ja-JP" altLang="en-US" dirty="0"/>
+                    </a:p>
+                  </a:txBody>
+                  <a:tcPr/>
+                </a:tc>
+                <a:tc>
+                  <a:txBody>
+                    <a:bodyPr/>
+                    <a:lstStyle/>
+                    <a:p>
+                      <a:endParaRPr kumimoji="1" lang="ja-JP" altLang="en-US"/>
+                    </a:p>
+                  </a:txBody>
+                  <a:tcPr/>
+                </a:tc>
+                <a:tc>
+                  <a:txBody>
+                    <a:bodyPr/>
+                    <a:lstStyle/>
+                    <a:p>
+                      <a:endParaRPr kumimoji="1" lang="ja-JP" altLang="en-US"/>
+                    </a:p>
+                  </a:txBody>
+                  <a:tcPr/>
+                </a:tc>
+                <a:extLst>
+                  <a:ext uri="{0D108BD9-81ED-4DB2-BD59-A6C34878D82A}">
+                    <a16:rowId xmlns:a16="http://schemas.microsoft.com/office/drawing/2014/main" val="2492282882"/>
+                  </a:ext>
+                </a:extLst>
+              </a:tr>
+              <a:tr h="370840">
+                <a:tc>
+                  <a:txBody>
+                    <a:bodyPr/>
+                    <a:lstStyle/>
+                    <a:p>
+                      <a:endParaRPr kumimoji="1" lang="ja-JP" altLang="en-US"/>
+                    </a:p>
+                  </a:txBody>
+                  <a:tcPr/>
+                </a:tc>
+                <a:tc>
+                  <a:txBody>
+                    <a:bodyPr/>
+                    <a:lstStyle/>
+                    <a:p>
+                      <a:endParaRPr kumimoji="1" lang="ja-JP" altLang="en-US"/>
+                    </a:p>
+                  </a:txBody>
+                  <a:tcPr/>
+                </a:tc>
+                <a:tc>
+                  <a:txBody>
+                    <a:bodyPr/>
+                    <a:lstStyle/>
+                    <a:p>
+                      <a:endParaRPr kumimoji="1" lang="ja-JP" altLang="en-US"/>
+                    </a:p>
+                  </a:txBody>
+                  <a:tcPr/>
+                </a:tc>
+                <a:tc>
+                  <a:txBody>
+                    <a:bodyPr/>
+                    <a:lstStyle/>
+                    <a:p>
+                      <a:endParaRPr kumimoji="1" lang="ja-JP" altLang="en-US"/>
+                    </a:p>
+                  </a:txBody>
+                  <a:tcPr/>
+                </a:tc>
+                <a:extLst>
+                  <a:ext uri="{0D108BD9-81ED-4DB2-BD59-A6C34878D82A}">
+                    <a16:rowId xmlns:a16="http://schemas.microsoft.com/office/drawing/2014/main" val="622607511"/>
+                  </a:ext>
+                </a:extLst>
+              </a:tr>
+              <a:tr h="370840">
+                <a:tc>
+                  <a:txBody>
+                    <a:bodyPr/>
+                    <a:lstStyle/>
+                    <a:p>
+                      <a:endParaRPr kumimoji="1" lang="ja-JP" altLang="en-US"/>
+                    </a:p>
+                  </a:txBody>
+                  <a:tcPr/>
+                </a:tc>
+                <a:tc>
+                  <a:txBody>
+                    <a:bodyPr/>
+                    <a:lstStyle/>
+                    <a:p>
+                      <a:endParaRPr kumimoji="1" lang="ja-JP" altLang="en-US"/>
+                    </a:p>
+                  </a:txBody>
+                  <a:tcPr/>
+                </a:tc>
+                <a:tc>
+                  <a:txBody>
+                    <a:bodyPr/>
+                    <a:lstStyle/>
+                    <a:p>
+                      <a:endParaRPr kumimoji="1" lang="ja-JP" altLang="en-US"/>
+                    </a:p>
+                  </a:txBody>
+                  <a:tcPr/>
+                </a:tc>
+                <a:tc>
+                  <a:txBody>
+                    <a:bodyPr/>
+                    <a:lstStyle/>
+                    <a:p>
+                      <a:endParaRPr kumimoji="1" lang="ja-JP" altLang="en-US"/>
+                    </a:p>
+                  </a:txBody>
+                  <a:tcPr/>
+                </a:tc>
+                <a:extLst>
+                  <a:ext uri="{0D108BD9-81ED-4DB2-BD59-A6C34878D82A}">
+                    <a16:rowId xmlns:a16="http://schemas.microsoft.com/office/drawing/2014/main" val="3204756912"/>
+                  </a:ext>
+                </a:extLst>
+              </a:tr>
+              <a:tr h="370840">
+                <a:tc>
+                  <a:txBody>
+                    <a:bodyPr/>
+                    <a:lstStyle/>
+                    <a:p>
+                      <a:endParaRPr kumimoji="1" lang="ja-JP" altLang="en-US"/>
+                    </a:p>
+                  </a:txBody>
+                  <a:tcPr/>
+                </a:tc>
+                <a:tc>
+                  <a:txBody>
+                    <a:bodyPr/>
+                    <a:lstStyle/>
+                    <a:p>
+                      <a:endParaRPr kumimoji="1" lang="ja-JP" altLang="en-US"/>
+                    </a:p>
+                  </a:txBody>
+                  <a:tcPr/>
+                </a:tc>
+                <a:tc>
+                  <a:txBody>
+                    <a:bodyPr/>
+                    <a:lstStyle/>
+                    <a:p>
+                      <a:endParaRPr kumimoji="1" lang="ja-JP" altLang="en-US"/>
+                    </a:p>
+                  </a:txBody>
+                  <a:tcPr/>
+                </a:tc>
+                <a:tc>
+                  <a:txBody>
+                    <a:bodyPr/>
+                    <a:lstStyle/>
+                    <a:p>
+                      <a:endParaRPr kumimoji="1" lang="ja-JP" altLang="en-US" dirty="0"/>
+                    </a:p>
+                  </a:txBody>
+                  <a:tcPr/>
+                </a:tc>
+                <a:extLst>
+                  <a:ext uri="{0D108BD9-81ED-4DB2-BD59-A6C34878D82A}">
+                    <a16:rowId xmlns:a16="http://schemas.microsoft.com/office/drawing/2014/main" val="3847429330"/>
+                  </a:ext>
+                </a:extLst>
+              </a:tr>
+            </a:tbl>
+          </a:graphicData>
+        </a:graphic>
+      </p:graphicFrame>
+    </p:spTree>
+    <p:extLst>
+      <p:ext uri="{BB962C8B-B14F-4D97-AF65-F5344CB8AC3E}">
+        <p14:creationId xmlns:p14="http://schemas.microsoft.com/office/powerpoint/2010/main" val="45290770"/>
       </p:ext>
     </p:extLst>
   </p:cSld>
